--- a/pucch_fmt0(note3) 20240527.pptx
+++ b/pucch_fmt0(note3) 20240527.pptx
@@ -210,7 +210,7 @@
           <a:p>
             <a:fld id="{D9AFFD06-A0A8-40B5-B7D7-3BF5CF726AE9}" type="datetimeFigureOut">
               <a:rPr lang="zh-TW" altLang="en-US" smtClean="0"/>
-              <a:t>2024/5/27</a:t>
+              <a:t>2024/5/28</a:t>
             </a:fld>
             <a:endParaRPr lang="zh-TW" altLang="en-US"/>
           </a:p>
@@ -2511,7 +2511,7 @@
           <a:p>
             <a:fld id="{B0319A4C-6556-4EA3-B92C-D0F975E4FFE9}" type="datetimeFigureOut">
               <a:rPr lang="zh-TW" altLang="en-US" smtClean="0"/>
-              <a:t>2024/5/27</a:t>
+              <a:t>2024/5/28</a:t>
             </a:fld>
             <a:endParaRPr lang="zh-TW" altLang="en-US"/>
           </a:p>
@@ -2709,7 +2709,7 @@
           <a:p>
             <a:fld id="{B0319A4C-6556-4EA3-B92C-D0F975E4FFE9}" type="datetimeFigureOut">
               <a:rPr lang="zh-TW" altLang="en-US" smtClean="0"/>
-              <a:t>2024/5/27</a:t>
+              <a:t>2024/5/28</a:t>
             </a:fld>
             <a:endParaRPr lang="zh-TW" altLang="en-US"/>
           </a:p>
@@ -2917,7 +2917,7 @@
           <a:p>
             <a:fld id="{B0319A4C-6556-4EA3-B92C-D0F975E4FFE9}" type="datetimeFigureOut">
               <a:rPr lang="zh-TW" altLang="en-US" smtClean="0"/>
-              <a:t>2024/5/27</a:t>
+              <a:t>2024/5/28</a:t>
             </a:fld>
             <a:endParaRPr lang="zh-TW" altLang="en-US"/>
           </a:p>
@@ -3115,7 +3115,7 @@
           <a:p>
             <a:fld id="{B0319A4C-6556-4EA3-B92C-D0F975E4FFE9}" type="datetimeFigureOut">
               <a:rPr lang="zh-TW" altLang="en-US" smtClean="0"/>
-              <a:t>2024/5/27</a:t>
+              <a:t>2024/5/28</a:t>
             </a:fld>
             <a:endParaRPr lang="zh-TW" altLang="en-US"/>
           </a:p>
@@ -3390,7 +3390,7 @@
           <a:p>
             <a:fld id="{B0319A4C-6556-4EA3-B92C-D0F975E4FFE9}" type="datetimeFigureOut">
               <a:rPr lang="zh-TW" altLang="en-US" smtClean="0"/>
-              <a:t>2024/5/27</a:t>
+              <a:t>2024/5/28</a:t>
             </a:fld>
             <a:endParaRPr lang="zh-TW" altLang="en-US"/>
           </a:p>
@@ -3655,7 +3655,7 @@
           <a:p>
             <a:fld id="{B0319A4C-6556-4EA3-B92C-D0F975E4FFE9}" type="datetimeFigureOut">
               <a:rPr lang="zh-TW" altLang="en-US" smtClean="0"/>
-              <a:t>2024/5/27</a:t>
+              <a:t>2024/5/28</a:t>
             </a:fld>
             <a:endParaRPr lang="zh-TW" altLang="en-US"/>
           </a:p>
@@ -4067,7 +4067,7 @@
           <a:p>
             <a:fld id="{B0319A4C-6556-4EA3-B92C-D0F975E4FFE9}" type="datetimeFigureOut">
               <a:rPr lang="zh-TW" altLang="en-US" smtClean="0"/>
-              <a:t>2024/5/27</a:t>
+              <a:t>2024/5/28</a:t>
             </a:fld>
             <a:endParaRPr lang="zh-TW" altLang="en-US"/>
           </a:p>
@@ -4208,7 +4208,7 @@
           <a:p>
             <a:fld id="{B0319A4C-6556-4EA3-B92C-D0F975E4FFE9}" type="datetimeFigureOut">
               <a:rPr lang="zh-TW" altLang="en-US" smtClean="0"/>
-              <a:t>2024/5/27</a:t>
+              <a:t>2024/5/28</a:t>
             </a:fld>
             <a:endParaRPr lang="zh-TW" altLang="en-US"/>
           </a:p>
@@ -4321,7 +4321,7 @@
           <a:p>
             <a:fld id="{B0319A4C-6556-4EA3-B92C-D0F975E4FFE9}" type="datetimeFigureOut">
               <a:rPr lang="zh-TW" altLang="en-US" smtClean="0"/>
-              <a:t>2024/5/27</a:t>
+              <a:t>2024/5/28</a:t>
             </a:fld>
             <a:endParaRPr lang="zh-TW" altLang="en-US"/>
           </a:p>
@@ -4632,7 +4632,7 @@
           <a:p>
             <a:fld id="{B0319A4C-6556-4EA3-B92C-D0F975E4FFE9}" type="datetimeFigureOut">
               <a:rPr lang="zh-TW" altLang="en-US" smtClean="0"/>
-              <a:t>2024/5/27</a:t>
+              <a:t>2024/5/28</a:t>
             </a:fld>
             <a:endParaRPr lang="zh-TW" altLang="en-US"/>
           </a:p>
@@ -4920,7 +4920,7 @@
           <a:p>
             <a:fld id="{B0319A4C-6556-4EA3-B92C-D0F975E4FFE9}" type="datetimeFigureOut">
               <a:rPr lang="zh-TW" altLang="en-US" smtClean="0"/>
-              <a:t>2024/5/27</a:t>
+              <a:t>2024/5/28</a:t>
             </a:fld>
             <a:endParaRPr lang="zh-TW" altLang="en-US"/>
           </a:p>
@@ -5161,7 +5161,7 @@
           <a:p>
             <a:fld id="{B0319A4C-6556-4EA3-B92C-D0F975E4FFE9}" type="datetimeFigureOut">
               <a:rPr lang="zh-TW" altLang="en-US" smtClean="0"/>
-              <a:t>2024/5/27</a:t>
+              <a:t>2024/5/28</a:t>
             </a:fld>
             <a:endParaRPr lang="zh-TW" altLang="en-US"/>
           </a:p>
@@ -30838,75 +30838,6 @@
       </p:pic>
       <p:pic>
         <p:nvPicPr>
-          <p:cNvPr id="5" name="圖片 4"/>
-          <p:cNvPicPr>
-            <a:picLocks noChangeAspect="1"/>
-          </p:cNvPicPr>
-          <p:nvPr/>
-        </p:nvPicPr>
-        <p:blipFill rotWithShape="1">
-          <a:blip r:embed="rId5"/>
-          <a:srcRect l="40151" t="21071"/>
-          <a:stretch/>
-        </p:blipFill>
-        <p:spPr>
-          <a:xfrm>
-            <a:off x="0" y="2019300"/>
-            <a:ext cx="3530105" cy="1370085"/>
-          </a:xfrm>
-          <a:prstGeom prst="rect">
-            <a:avLst/>
-          </a:prstGeom>
-        </p:spPr>
-      </p:pic>
-      <p:pic>
-        <p:nvPicPr>
-          <p:cNvPr id="6" name="圖片 5"/>
-          <p:cNvPicPr>
-            <a:picLocks noChangeAspect="1"/>
-          </p:cNvPicPr>
-          <p:nvPr/>
-        </p:nvPicPr>
-        <p:blipFill rotWithShape="1">
-          <a:blip r:embed="rId6"/>
-          <a:srcRect l="50280" t="21496"/>
-          <a:stretch/>
-        </p:blipFill>
-        <p:spPr>
-          <a:xfrm>
-            <a:off x="3620454" y="2035734"/>
-            <a:ext cx="2323145" cy="1373183"/>
-          </a:xfrm>
-          <a:prstGeom prst="rect">
-            <a:avLst/>
-          </a:prstGeom>
-        </p:spPr>
-      </p:pic>
-      <p:pic>
-        <p:nvPicPr>
-          <p:cNvPr id="7" name="圖片 6"/>
-          <p:cNvPicPr>
-            <a:picLocks noChangeAspect="1"/>
-          </p:cNvPicPr>
-          <p:nvPr/>
-        </p:nvPicPr>
-        <p:blipFill rotWithShape="1">
-          <a:blip r:embed="rId7"/>
-          <a:srcRect l="48489" t="12471" b="38188"/>
-          <a:stretch/>
-        </p:blipFill>
-        <p:spPr>
-          <a:xfrm>
-            <a:off x="6033948" y="2017862"/>
-            <a:ext cx="2498795" cy="1371523"/>
-          </a:xfrm>
-          <a:prstGeom prst="rect">
-            <a:avLst/>
-          </a:prstGeom>
-        </p:spPr>
-      </p:pic>
-      <p:pic>
-        <p:nvPicPr>
           <p:cNvPr id="11" name="圖片 10"/>
           <p:cNvPicPr>
             <a:picLocks noChangeAspect="1"/>
@@ -30914,7 +30845,7 @@
           <p:nvPr/>
         </p:nvPicPr>
         <p:blipFill>
-          <a:blip r:embed="rId8"/>
+          <a:blip r:embed="rId5"/>
           <a:stretch>
             <a:fillRect/>
           </a:stretch>
@@ -31202,6 +31133,99 @@
           </a:p>
         </p:txBody>
       </p:sp>
+      <p:pic>
+        <p:nvPicPr>
+          <p:cNvPr id="17" name="圖片 16"/>
+          <p:cNvPicPr>
+            <a:picLocks noChangeAspect="1"/>
+          </p:cNvPicPr>
+          <p:nvPr/>
+        </p:nvPicPr>
+        <p:blipFill rotWithShape="1">
+          <a:blip r:embed="rId6"/>
+          <a:srcRect l="40151" t="21071"/>
+          <a:stretch/>
+        </p:blipFill>
+        <p:spPr>
+          <a:xfrm>
+            <a:off x="93948" y="2024250"/>
+            <a:ext cx="3530105" cy="1370085"/>
+          </a:xfrm>
+          <a:prstGeom prst="rect">
+            <a:avLst/>
+          </a:prstGeom>
+        </p:spPr>
+      </p:pic>
+      <p:pic>
+        <p:nvPicPr>
+          <p:cNvPr id="18" name="圖片 17"/>
+          <p:cNvPicPr>
+            <a:picLocks noChangeAspect="1"/>
+          </p:cNvPicPr>
+          <p:nvPr/>
+        </p:nvPicPr>
+        <p:blipFill rotWithShape="1">
+          <a:blip r:embed="rId7"/>
+          <a:srcRect l="50280" t="21496"/>
+          <a:stretch/>
+        </p:blipFill>
+        <p:spPr>
+          <a:xfrm>
+            <a:off x="3714402" y="2040684"/>
+            <a:ext cx="2323145" cy="1373183"/>
+          </a:xfrm>
+          <a:prstGeom prst="rect">
+            <a:avLst/>
+          </a:prstGeom>
+        </p:spPr>
+      </p:pic>
+      <p:pic>
+        <p:nvPicPr>
+          <p:cNvPr id="19" name="圖片 18"/>
+          <p:cNvPicPr>
+            <a:picLocks noChangeAspect="1"/>
+          </p:cNvPicPr>
+          <p:nvPr/>
+        </p:nvPicPr>
+        <p:blipFill rotWithShape="1">
+          <a:blip r:embed="rId8"/>
+          <a:srcRect l="48489" t="12471" b="38188"/>
+          <a:stretch/>
+        </p:blipFill>
+        <p:spPr>
+          <a:xfrm>
+            <a:off x="9015628" y="2000975"/>
+            <a:ext cx="2498795" cy="1371523"/>
+          </a:xfrm>
+          <a:prstGeom prst="rect">
+            <a:avLst/>
+          </a:prstGeom>
+        </p:spPr>
+      </p:pic>
+      <p:pic>
+        <p:nvPicPr>
+          <p:cNvPr id="21" name="圖片 20"/>
+          <p:cNvPicPr>
+            <a:picLocks noChangeAspect="1"/>
+          </p:cNvPicPr>
+          <p:nvPr/>
+        </p:nvPicPr>
+        <p:blipFill>
+          <a:blip r:embed="rId9"/>
+          <a:stretch>
+            <a:fillRect/>
+          </a:stretch>
+        </p:blipFill>
+        <p:spPr>
+          <a:xfrm>
+            <a:off x="6127896" y="2015879"/>
+            <a:ext cx="2797383" cy="1228119"/>
+          </a:xfrm>
+          <a:prstGeom prst="rect">
+            <a:avLst/>
+          </a:prstGeom>
+        </p:spPr>
+      </p:pic>
     </p:spTree>
     <p:extLst>
       <p:ext uri="{BB962C8B-B14F-4D97-AF65-F5344CB8AC3E}">
